--- a/Project 1/Poster_DV_Project1_GroupAA (Final).pptx
+++ b/Project 1/Poster_DV_Project1_GroupAA (Final).pptx
@@ -12689,10 +12689,10 @@
           </p:nvGrpSpPr>
           <p:grpSpPr>
             <a:xfrm>
-              <a:off x="24625684" y="26110602"/>
-              <a:ext cx="2171749" cy="654109"/>
+              <a:off x="24625684" y="26110603"/>
+              <a:ext cx="2171749" cy="954107"/>
               <a:chOff x="15509119" y="13126074"/>
-              <a:chExt cx="2462441" cy="810970"/>
+              <a:chExt cx="2462441" cy="1182910"/>
             </a:xfrm>
           </p:grpSpPr>
           <p:sp>
@@ -12754,7 +12754,7 @@
             <p:spPr>
               <a:xfrm>
                 <a:off x="15776918" y="13126074"/>
-                <a:ext cx="2194642" cy="810970"/>
+                <a:ext cx="2194642" cy="1182910"/>
               </a:xfrm>
               <a:prstGeom prst="rect">
                 <a:avLst/>
@@ -12775,7 +12775,7 @@
                       </a:schemeClr>
                     </a:solidFill>
                   </a:rPr>
-                  <a:t>Bubble size represents the number of deaths per million</a:t>
+                  <a:t>Bubble size represents the number of new cases per million inhabitants</a:t>
                 </a:r>
               </a:p>
             </p:txBody>
@@ -13357,9 +13357,12 @@
 </file>
 
 <file path=customXml/item1.xml><?xml version="1.0" encoding="utf-8"?>
-<p:properties xmlns:p="http://schemas.microsoft.com/office/2006/metadata/properties" xmlns:xsi="http://www.w3.org/2001/XMLSchema-instance" xmlns:pc="http://schemas.microsoft.com/office/infopath/2007/PartnerControls">
-  <documentManagement/>
-</p:properties>
+<?mso-contentType ?>
+<FormTemplates xmlns="http://schemas.microsoft.com/sharepoint/v3/contenttype/forms">
+  <Display>DocumentLibraryForm</Display>
+  <Edit>DocumentLibraryForm</Edit>
+  <New>DocumentLibraryForm</New>
+</FormTemplates>
 </file>
 
 <file path=customXml/item2.xml><?xml version="1.0" encoding="utf-8"?>
@@ -13477,25 +13480,15 @@
 </file>
 
 <file path=customXml/item3.xml><?xml version="1.0" encoding="utf-8"?>
-<?mso-contentType ?>
-<FormTemplates xmlns="http://schemas.microsoft.com/sharepoint/v3/contenttype/forms">
-  <Display>DocumentLibraryForm</Display>
-  <Edit>DocumentLibraryForm</Edit>
-  <New>DocumentLibraryForm</New>
-</FormTemplates>
+<p:properties xmlns:p="http://schemas.microsoft.com/office/2006/metadata/properties" xmlns:xsi="http://www.w3.org/2001/XMLSchema-instance" xmlns:pc="http://schemas.microsoft.com/office/infopath/2007/PartnerControls">
+  <documentManagement/>
+</p:properties>
 </file>
 
 <file path=customXml/itemProps1.xml><?xml version="1.0" encoding="utf-8"?>
-<ds:datastoreItem xmlns:ds="http://schemas.openxmlformats.org/officeDocument/2006/customXml" ds:itemID="{B32FD70B-E937-4209-ADF1-BA0821D9E89B}">
+<ds:datastoreItem xmlns:ds="http://schemas.openxmlformats.org/officeDocument/2006/customXml" ds:itemID="{F953F32C-FD04-41B6-86F5-95AB03893685}">
   <ds:schemaRefs>
-    <ds:schemaRef ds:uri="http://purl.org/dc/terms/"/>
-    <ds:schemaRef ds:uri="http://schemas.openxmlformats.org/package/2006/metadata/core-properties"/>
-    <ds:schemaRef ds:uri="http://schemas.microsoft.com/office/2006/documentManagement/types"/>
-    <ds:schemaRef ds:uri="http://schemas.microsoft.com/office/infopath/2007/PartnerControls"/>
-    <ds:schemaRef ds:uri="http://purl.org/dc/elements/1.1/"/>
-    <ds:schemaRef ds:uri="http://schemas.microsoft.com/office/2006/metadata/properties"/>
-    <ds:schemaRef ds:uri="http://www.w3.org/XML/1998/namespace"/>
-    <ds:schemaRef ds:uri="http://purl.org/dc/dcmitype/"/>
+    <ds:schemaRef ds:uri="http://schemas.microsoft.com/sharepoint/v3/contenttype/forms"/>
   </ds:schemaRefs>
 </ds:datastoreItem>
 </file>
@@ -13517,9 +13510,16 @@
 </file>
 
 <file path=customXml/itemProps3.xml><?xml version="1.0" encoding="utf-8"?>
-<ds:datastoreItem xmlns:ds="http://schemas.openxmlformats.org/officeDocument/2006/customXml" ds:itemID="{F953F32C-FD04-41B6-86F5-95AB03893685}">
+<ds:datastoreItem xmlns:ds="http://schemas.openxmlformats.org/officeDocument/2006/customXml" ds:itemID="{B32FD70B-E937-4209-ADF1-BA0821D9E89B}">
   <ds:schemaRefs>
-    <ds:schemaRef ds:uri="http://schemas.microsoft.com/sharepoint/v3/contenttype/forms"/>
+    <ds:schemaRef ds:uri="http://purl.org/dc/terms/"/>
+    <ds:schemaRef ds:uri="http://schemas.openxmlformats.org/package/2006/metadata/core-properties"/>
+    <ds:schemaRef ds:uri="http://schemas.microsoft.com/office/2006/documentManagement/types"/>
+    <ds:schemaRef ds:uri="http://schemas.microsoft.com/office/infopath/2007/PartnerControls"/>
+    <ds:schemaRef ds:uri="http://purl.org/dc/elements/1.1/"/>
+    <ds:schemaRef ds:uri="http://schemas.microsoft.com/office/2006/metadata/properties"/>
+    <ds:schemaRef ds:uri="http://www.w3.org/XML/1998/namespace"/>
+    <ds:schemaRef ds:uri="http://purl.org/dc/dcmitype/"/>
   </ds:schemaRefs>
 </ds:datastoreItem>
 </file>